--- a/TasaDeInteresSeries.pptx
+++ b/TasaDeInteresSeries.pptx
@@ -276,7 +276,7 @@
       </p15:sldGuideLst>
     </p:ext>
     <p:ext uri="GoogleSlidesCustomDataVersion2">
-      <go:slidesCustomData xmlns:go="http://customooxmlschemas.google.com/" r:id="rId21" roundtripDataSignature="AMtx7mgaFbckmMxj76l/bXPfV1ktKrolLw=="/>
+      <go:slidesCustomData xmlns:go="http://customooxmlschemas.google.com/" r:id="rId21" roundtripDataSignature="AMtx7miknEossU8K58t78NPzBiPaXjyfrg=="/>
     </p:ext>
   </p:extLst>
 </p:presentation>
@@ -1322,7 +1322,7 @@
   <p:cSld>
     <p:spTree>
       <p:nvGrpSpPr>
-        <p:cNvPr id="108" name="Shape 108"/>
+        <p:cNvPr id="110" name="Shape 110"/>
         <p:cNvGrpSpPr/>
         <p:nvPr/>
       </p:nvGrpSpPr>
@@ -1336,7 +1336,7 @@
       </p:grpSpPr>
       <p:sp>
         <p:nvSpPr>
-          <p:cNvPr id="109" name="Google Shape;109;p9:notes"/>
+          <p:cNvPr id="111" name="Google Shape;111;p9:notes"/>
           <p:cNvSpPr/>
           <p:nvPr>
             <p:ph idx="2" type="sldImg"/>
@@ -1381,7 +1381,7 @@
       </p:sp>
       <p:sp>
         <p:nvSpPr>
-          <p:cNvPr id="110" name="Google Shape;110;p9:notes"/>
+          <p:cNvPr id="112" name="Google Shape;112;p9:notes"/>
           <p:cNvSpPr txBox="1"/>
           <p:nvPr>
             <p:ph idx="1" type="body"/>
@@ -2008,7 +2008,7 @@
       </p:sp>
       <p:sp>
         <p:nvSpPr>
-          <p:cNvPr id="111" name="Google Shape;111;p9:notes"/>
+          <p:cNvPr id="113" name="Google Shape;113;p9:notes"/>
           <p:cNvSpPr txBox="1"/>
           <p:nvPr>
             <p:ph idx="12" type="sldNum"/>
@@ -2063,7 +2063,7 @@
   <p:cSld>
     <p:spTree>
       <p:nvGrpSpPr>
-        <p:cNvPr id="119" name="Shape 119"/>
+        <p:cNvPr id="121" name="Shape 121"/>
         <p:cNvGrpSpPr/>
         <p:nvPr/>
       </p:nvGrpSpPr>
@@ -2077,7 +2077,7 @@
       </p:grpSpPr>
       <p:sp>
         <p:nvSpPr>
-          <p:cNvPr id="120" name="Google Shape;120;p10:notes"/>
+          <p:cNvPr id="122" name="Google Shape;122;p10:notes"/>
           <p:cNvSpPr/>
           <p:nvPr>
             <p:ph idx="2" type="sldImg"/>
@@ -2122,7 +2122,7 @@
       </p:sp>
       <p:sp>
         <p:nvSpPr>
-          <p:cNvPr id="121" name="Google Shape;121;p10:notes"/>
+          <p:cNvPr id="123" name="Google Shape;123;p10:notes"/>
           <p:cNvSpPr txBox="1"/>
           <p:nvPr>
             <p:ph idx="1" type="body"/>
@@ -2749,7 +2749,7 @@
       </p:sp>
       <p:sp>
         <p:nvSpPr>
-          <p:cNvPr id="122" name="Google Shape;122;p10:notes"/>
+          <p:cNvPr id="124" name="Google Shape;124;p10:notes"/>
           <p:cNvSpPr txBox="1"/>
           <p:nvPr>
             <p:ph idx="12" type="sldNum"/>
@@ -2804,7 +2804,7 @@
   <p:cSld>
     <p:spTree>
       <p:nvGrpSpPr>
-        <p:cNvPr id="130" name="Shape 130"/>
+        <p:cNvPr id="132" name="Shape 132"/>
         <p:cNvGrpSpPr/>
         <p:nvPr/>
       </p:nvGrpSpPr>
@@ -2818,7 +2818,7 @@
       </p:grpSpPr>
       <p:sp>
         <p:nvSpPr>
-          <p:cNvPr id="131" name="Google Shape;131;p11:notes"/>
+          <p:cNvPr id="133" name="Google Shape;133;p11:notes"/>
           <p:cNvSpPr/>
           <p:nvPr>
             <p:ph idx="2" type="sldImg"/>
@@ -2863,7 +2863,7 @@
       </p:sp>
       <p:sp>
         <p:nvSpPr>
-          <p:cNvPr id="132" name="Google Shape;132;p11:notes"/>
+          <p:cNvPr id="134" name="Google Shape;134;p11:notes"/>
           <p:cNvSpPr txBox="1"/>
           <p:nvPr>
             <p:ph idx="1" type="body"/>
@@ -3490,7 +3490,7 @@
       </p:sp>
       <p:sp>
         <p:nvSpPr>
-          <p:cNvPr id="133" name="Google Shape;133;p11:notes"/>
+          <p:cNvPr id="135" name="Google Shape;135;p11:notes"/>
           <p:cNvSpPr txBox="1"/>
           <p:nvPr>
             <p:ph idx="12" type="sldNum"/>
@@ -3545,7 +3545,7 @@
   <p:cSld>
     <p:spTree>
       <p:nvGrpSpPr>
-        <p:cNvPr id="141" name="Shape 141"/>
+        <p:cNvPr id="143" name="Shape 143"/>
         <p:cNvGrpSpPr/>
         <p:nvPr/>
       </p:nvGrpSpPr>
@@ -3559,7 +3559,7 @@
       </p:grpSpPr>
       <p:sp>
         <p:nvSpPr>
-          <p:cNvPr id="142" name="Google Shape;142;p12:notes"/>
+          <p:cNvPr id="144" name="Google Shape;144;p12:notes"/>
           <p:cNvSpPr txBox="1"/>
           <p:nvPr>
             <p:ph idx="1" type="body"/>
@@ -3598,7 +3598,7 @@
       </p:sp>
       <p:sp>
         <p:nvSpPr>
-          <p:cNvPr id="143" name="Google Shape;143;p12:notes"/>
+          <p:cNvPr id="145" name="Google Shape;145;p12:notes"/>
           <p:cNvSpPr/>
           <p:nvPr>
             <p:ph idx="2" type="sldImg"/>
@@ -5081,7 +5081,7 @@
   <p:cSld>
     <p:spTree>
       <p:nvGrpSpPr>
-        <p:cNvPr id="97" name="Shape 97"/>
+        <p:cNvPr id="99" name="Shape 99"/>
         <p:cNvGrpSpPr/>
         <p:nvPr/>
       </p:nvGrpSpPr>
@@ -5095,7 +5095,7 @@
       </p:grpSpPr>
       <p:sp>
         <p:nvSpPr>
-          <p:cNvPr id="98" name="Google Shape;98;p8:notes"/>
+          <p:cNvPr id="100" name="Google Shape;100;p8:notes"/>
           <p:cNvSpPr/>
           <p:nvPr>
             <p:ph idx="2" type="sldImg"/>
@@ -5140,7 +5140,7 @@
       </p:sp>
       <p:sp>
         <p:nvSpPr>
-          <p:cNvPr id="99" name="Google Shape;99;p8:notes"/>
+          <p:cNvPr id="101" name="Google Shape;101;p8:notes"/>
           <p:cNvSpPr txBox="1"/>
           <p:nvPr>
             <p:ph idx="1" type="body"/>
@@ -5767,7 +5767,7 @@
       </p:sp>
       <p:sp>
         <p:nvSpPr>
-          <p:cNvPr id="100" name="Google Shape;100;p8:notes"/>
+          <p:cNvPr id="102" name="Google Shape;102;p8:notes"/>
           <p:cNvSpPr txBox="1"/>
           <p:nvPr>
             <p:ph idx="12" type="sldNum"/>
@@ -10689,7 +10689,7 @@
   <p:cSld>
     <p:spTree>
       <p:nvGrpSpPr>
-        <p:cNvPr id="112" name="Shape 112"/>
+        <p:cNvPr id="114" name="Shape 114"/>
         <p:cNvGrpSpPr/>
         <p:nvPr/>
       </p:nvGrpSpPr>
@@ -10703,7 +10703,7 @@
       </p:grpSpPr>
       <p:sp>
         <p:nvSpPr>
-          <p:cNvPr id="113" name="Google Shape;113;p9"/>
+          <p:cNvPr id="115" name="Google Shape;115;p9"/>
           <p:cNvSpPr txBox="1"/>
           <p:nvPr>
             <p:ph type="title"/>
@@ -10766,7 +10766,7 @@
       </p:sp>
       <p:pic>
         <p:nvPicPr>
-          <p:cNvPr id="114" name="Google Shape;114;p9"/>
+          <p:cNvPr id="116" name="Google Shape;116;p9"/>
           <p:cNvPicPr preferRelativeResize="0"/>
           <p:nvPr/>
         </p:nvPicPr>
@@ -10793,7 +10793,7 @@
       </p:pic>
       <p:pic>
         <p:nvPicPr>
-          <p:cNvPr id="115" name="Google Shape;115;p9"/>
+          <p:cNvPr id="117" name="Google Shape;117;p9"/>
           <p:cNvPicPr preferRelativeResize="0"/>
           <p:nvPr/>
         </p:nvPicPr>
@@ -10826,7 +10826,7 @@
       </p:pic>
       <p:pic>
         <p:nvPicPr>
-          <p:cNvPr id="116" name="Google Shape;116;p9"/>
+          <p:cNvPr id="118" name="Google Shape;118;p9"/>
           <p:cNvPicPr preferRelativeResize="0"/>
           <p:nvPr/>
         </p:nvPicPr>
@@ -10853,7 +10853,7 @@
       </p:pic>
       <p:pic>
         <p:nvPicPr>
-          <p:cNvPr id="117" name="Google Shape;117;p9"/>
+          <p:cNvPr id="119" name="Google Shape;119;p9"/>
           <p:cNvPicPr preferRelativeResize="0"/>
           <p:nvPr/>
         </p:nvPicPr>
@@ -10880,7 +10880,7 @@
       </p:pic>
       <p:sp>
         <p:nvSpPr>
-          <p:cNvPr id="118" name="Google Shape;118;p9"/>
+          <p:cNvPr id="120" name="Google Shape;120;p9"/>
           <p:cNvSpPr txBox="1"/>
           <p:nvPr/>
         </p:nvSpPr>
@@ -11095,7 +11095,7 @@
   <p:cSld>
     <p:spTree>
       <p:nvGrpSpPr>
-        <p:cNvPr id="123" name="Shape 123"/>
+        <p:cNvPr id="125" name="Shape 125"/>
         <p:cNvGrpSpPr/>
         <p:nvPr/>
       </p:nvGrpSpPr>
@@ -11109,7 +11109,7 @@
       </p:grpSpPr>
       <p:sp>
         <p:nvSpPr>
-          <p:cNvPr id="124" name="Google Shape;124;p10"/>
+          <p:cNvPr id="126" name="Google Shape;126;p10"/>
           <p:cNvSpPr txBox="1"/>
           <p:nvPr>
             <p:ph type="title"/>
@@ -11172,7 +11172,7 @@
       </p:sp>
       <p:pic>
         <p:nvPicPr>
-          <p:cNvPr id="125" name="Google Shape;125;p10"/>
+          <p:cNvPr id="127" name="Google Shape;127;p10"/>
           <p:cNvPicPr preferRelativeResize="0"/>
           <p:nvPr/>
         </p:nvPicPr>
@@ -11199,7 +11199,7 @@
       </p:pic>
       <p:pic>
         <p:nvPicPr>
-          <p:cNvPr id="126" name="Google Shape;126;p10"/>
+          <p:cNvPr id="128" name="Google Shape;128;p10"/>
           <p:cNvPicPr preferRelativeResize="0"/>
           <p:nvPr/>
         </p:nvPicPr>
@@ -11226,7 +11226,7 @@
       </p:pic>
       <p:pic>
         <p:nvPicPr>
-          <p:cNvPr id="127" name="Google Shape;127;p10"/>
+          <p:cNvPr id="129" name="Google Shape;129;p10"/>
           <p:cNvPicPr preferRelativeResize="0"/>
           <p:nvPr/>
         </p:nvPicPr>
@@ -11253,7 +11253,7 @@
       </p:pic>
       <p:pic>
         <p:nvPicPr>
-          <p:cNvPr id="128" name="Google Shape;128;p10"/>
+          <p:cNvPr id="130" name="Google Shape;130;p10"/>
           <p:cNvPicPr preferRelativeResize="0"/>
           <p:nvPr/>
         </p:nvPicPr>
@@ -11286,7 +11286,7 @@
       </p:pic>
       <p:sp>
         <p:nvSpPr>
-          <p:cNvPr id="129" name="Google Shape;129;p10"/>
+          <p:cNvPr id="131" name="Google Shape;131;p10"/>
           <p:cNvSpPr txBox="1"/>
           <p:nvPr/>
         </p:nvSpPr>
@@ -11480,7 +11480,7 @@
   <p:cSld>
     <p:spTree>
       <p:nvGrpSpPr>
-        <p:cNvPr id="134" name="Shape 134"/>
+        <p:cNvPr id="136" name="Shape 136"/>
         <p:cNvGrpSpPr/>
         <p:nvPr/>
       </p:nvGrpSpPr>
@@ -11494,7 +11494,7 @@
       </p:grpSpPr>
       <p:sp>
         <p:nvSpPr>
-          <p:cNvPr id="135" name="Google Shape;135;p11"/>
+          <p:cNvPr id="137" name="Google Shape;137;p11"/>
           <p:cNvSpPr txBox="1"/>
           <p:nvPr>
             <p:ph type="title"/>
@@ -11557,7 +11557,7 @@
       </p:sp>
       <p:pic>
         <p:nvPicPr>
-          <p:cNvPr id="136" name="Google Shape;136;p11"/>
+          <p:cNvPr id="138" name="Google Shape;138;p11"/>
           <p:cNvPicPr preferRelativeResize="0"/>
           <p:nvPr/>
         </p:nvPicPr>
@@ -11584,7 +11584,7 @@
       </p:pic>
       <p:pic>
         <p:nvPicPr>
-          <p:cNvPr id="137" name="Google Shape;137;p11"/>
+          <p:cNvPr id="139" name="Google Shape;139;p11"/>
           <p:cNvPicPr preferRelativeResize="0"/>
           <p:nvPr/>
         </p:nvPicPr>
@@ -11611,7 +11611,7 @@
       </p:pic>
       <p:pic>
         <p:nvPicPr>
-          <p:cNvPr id="138" name="Google Shape;138;p11"/>
+          <p:cNvPr id="140" name="Google Shape;140;p11"/>
           <p:cNvPicPr preferRelativeResize="0"/>
           <p:nvPr/>
         </p:nvPicPr>
@@ -11638,7 +11638,7 @@
       </p:pic>
       <p:pic>
         <p:nvPicPr>
-          <p:cNvPr id="139" name="Google Shape;139;p11"/>
+          <p:cNvPr id="141" name="Google Shape;141;p11"/>
           <p:cNvPicPr preferRelativeResize="0"/>
           <p:nvPr/>
         </p:nvPicPr>
@@ -11671,7 +11671,7 @@
       </p:pic>
       <p:sp>
         <p:nvSpPr>
-          <p:cNvPr id="140" name="Google Shape;140;p11"/>
+          <p:cNvPr id="142" name="Google Shape;142;p11"/>
           <p:cNvSpPr txBox="1"/>
           <p:nvPr/>
         </p:nvSpPr>
@@ -11914,7 +11914,7 @@
   <p:cSld>
     <p:spTree>
       <p:nvGrpSpPr>
-        <p:cNvPr id="144" name="Shape 144"/>
+        <p:cNvPr id="146" name="Shape 146"/>
         <p:cNvGrpSpPr/>
         <p:nvPr/>
       </p:nvGrpSpPr>
@@ -11928,7 +11928,7 @@
       </p:grpSpPr>
       <p:sp>
         <p:nvSpPr>
-          <p:cNvPr id="145" name="Google Shape;145;p12"/>
+          <p:cNvPr id="147" name="Google Shape;147;p12"/>
           <p:cNvSpPr txBox="1"/>
           <p:nvPr>
             <p:ph type="title"/>
@@ -12316,8 +12316,8 @@
         </p:nvSpPr>
         <p:spPr>
           <a:xfrm>
-            <a:off x="685800" y="1219200"/>
-            <a:ext cx="7479000" cy="5240700"/>
+            <a:off x="474300" y="1358850"/>
+            <a:ext cx="8195400" cy="5382300"/>
           </a:xfrm>
           <a:prstGeom prst="rect">
             <a:avLst/>
@@ -12346,10 +12346,15 @@
               <a:buNone/>
             </a:pPr>
             <a:r>
-              <a:rPr b="1" lang="es-ES" sz="1300"/>
+              <a:rPr b="1" lang="es-ES" sz="1300">
+                <a:latin typeface="Quattrocento Sans"/>
+                <a:ea typeface="Quattrocento Sans"/>
+                <a:cs typeface="Quattrocento Sans"/>
+                <a:sym typeface="Quattrocento Sans"/>
+              </a:rPr>
               <a:t>Estudios en Modelos de Política Monetaria y Tasa de Interés</a:t>
             </a:r>
-            <a:endParaRPr b="1" sz="1300"/>
+            <a:endParaRPr b="1" sz="1400"/>
           </a:p>
           <a:p>
             <a:pPr indent="-298450" lvl="0" marL="457200" rtl="0" algn="l">
@@ -12369,49 +12374,90 @@
               <a:buChar char="●"/>
             </a:pPr>
             <a:r>
-              <a:rPr b="1" lang="es-ES" sz="1100"/>
-              <a:t>Banco de la República de Colombia (2020)</a:t>
+              <a:rPr b="1" lang="es-ES" sz="1300">
+                <a:latin typeface="Quattrocento Sans"/>
+                <a:ea typeface="Quattrocento Sans"/>
+                <a:cs typeface="Quattrocento Sans"/>
+                <a:sym typeface="Quattrocento Sans"/>
+              </a:rPr>
+              <a:t>Galeano-Ramírez, Franky Juliano; Martínez-Cortés, Nicolás; Rojas-Martínez, Carlos D. (2021)</a:t>
             </a:r>
             <a:r>
               <a:rPr lang="es-ES" sz="1100"/>
-              <a:t>: El Banco de la República realiza análisis y publicaciones periódicas sobre el comportamiento de la política monetaria, incluyendo los </a:t>
-            </a:r>
-            <a:r>
-              <a:rPr b="1" lang="es-ES" sz="1100"/>
-              <a:t>modelos de tasas de interés</a:t>
-            </a:r>
-            <a:r>
-              <a:rPr lang="es-ES" sz="1100"/>
-              <a:t> y su relación con la inflación. A través de los </a:t>
-            </a:r>
-            <a:r>
-              <a:rPr b="1" lang="es-ES" sz="1100"/>
-              <a:t>modelos DSGE (Dynamic Stochastic General Equilibrium)</a:t>
-            </a:r>
-            <a:r>
-              <a:rPr lang="es-ES" sz="1100"/>
-              <a:t>, el Banco simula cómo diferentes decisiones de política monetaria impactan las tasas de interés y la economía en general. Estos modelos se actualizan regularmente para hacer pronósticos sobre las tasas de interés y el efecto de las decisiones del Banco Central.</a:t>
+              <a:t>: </a:t>
+            </a:r>
+            <a:r>
+              <a:rPr lang="es-ES" sz="1200">
+                <a:latin typeface="Quattrocento Sans"/>
+                <a:ea typeface="Quattrocento Sans"/>
+                <a:cs typeface="Quattrocento Sans"/>
+                <a:sym typeface="Quattrocento Sans"/>
+              </a:rPr>
+              <a:t>Este grupo de autores exploró cómo los modelos </a:t>
+            </a:r>
+            <a:r>
+              <a:rPr b="1" lang="es-ES" sz="1200">
+                <a:latin typeface="Quattrocento Sans"/>
+                <a:ea typeface="Quattrocento Sans"/>
+                <a:cs typeface="Quattrocento Sans"/>
+                <a:sym typeface="Quattrocento Sans"/>
+              </a:rPr>
+              <a:t>Factor-MIDAS</a:t>
+            </a:r>
+            <a:r>
+              <a:rPr lang="es-ES" sz="1200">
+                <a:latin typeface="Quattrocento Sans"/>
+                <a:ea typeface="Quattrocento Sans"/>
+                <a:cs typeface="Quattrocento Sans"/>
+                <a:sym typeface="Quattrocento Sans"/>
+              </a:rPr>
+              <a:t> y los </a:t>
+            </a:r>
+            <a:r>
+              <a:rPr b="1" lang="es-ES" sz="1200">
+                <a:latin typeface="Quattrocento Sans"/>
+                <a:ea typeface="Quattrocento Sans"/>
+                <a:cs typeface="Quattrocento Sans"/>
+                <a:sym typeface="Quattrocento Sans"/>
+              </a:rPr>
+              <a:t>modelos de difusión dinámica de factores (DFM)</a:t>
+            </a:r>
+            <a:r>
+              <a:rPr lang="es-ES" sz="1200">
+                <a:latin typeface="Quattrocento Sans"/>
+                <a:ea typeface="Quattrocento Sans"/>
+                <a:cs typeface="Quattrocento Sans"/>
+                <a:sym typeface="Quattrocento Sans"/>
+              </a:rPr>
+              <a:t> se pueden aplicar para pronosticar la actividad económica en Colombia, lo que indirectamente influye en la política monetaria. Estos modelos también se usan para estimar cómo las tasas de interés reaccionan ante los cambios en variables como el PIB y la inflación. Aunque no se enfocan exclusivamente en tasas de interés, sus conclusiones sobre la relación de las variables económicas son relevantes para el análisis de las decisiones de política monetaria.</a:t>
             </a:r>
             <a:br>
               <a:rPr lang="es-ES" sz="1100"/>
             </a:br>
             <a:r>
-              <a:rPr b="1" lang="es-ES" sz="1100"/>
-              <a:t>Fuente</a:t>
-            </a:r>
-            <a:r>
-              <a:rPr lang="es-ES" sz="1100"/>
-              <a:t>: Banco de la República – </a:t>
-            </a:r>
-            <a:r>
-              <a:rPr i="1" lang="es-ES" sz="1100"/>
-              <a:t>Informe de política monetaria</a:t>
-            </a:r>
-            <a:r>
-              <a:rPr lang="es-ES" sz="1100"/>
-              <a:t> (informes y boletines sobre decisiones de tasa de interés y proyecciones de inflación).</a:t>
-            </a:r>
-            <a:endParaRPr sz="1100"/>
+              <a:rPr b="1" lang="es-ES" sz="1300">
+                <a:latin typeface="Quattrocento Sans"/>
+                <a:ea typeface="Quattrocento Sans"/>
+                <a:cs typeface="Quattrocento Sans"/>
+                <a:sym typeface="Quattrocento Sans"/>
+              </a:rPr>
+              <a:t>Fuente:</a:t>
+            </a:r>
+            <a:r>
+              <a:rPr lang="es-ES" sz="1200">
+                <a:latin typeface="Quattrocento Sans"/>
+                <a:ea typeface="Quattrocento Sans"/>
+                <a:cs typeface="Quattrocento Sans"/>
+                <a:sym typeface="Quattrocento Sans"/>
+              </a:rPr>
+              <a:t> Galeano-Ramírez, F. J., Martínez-Cortés, N., &amp; Rojas-Martínez, C. D. (2021). Pronósticos de corto plazo para la actividad económica colombiana: aproximaciones DFM y Factor-MIDAS. Banco de la República.</a:t>
+            </a:r>
+            <a:endParaRPr b="1" sz="1200">
+              <a:latin typeface="Quattrocento Sans"/>
+              <a:ea typeface="Quattrocento Sans"/>
+              <a:cs typeface="Quattrocento Sans"/>
+              <a:sym typeface="Quattrocento Sans"/>
+            </a:endParaRPr>
           </a:p>
           <a:p>
             <a:pPr indent="0" lvl="0" marL="0" rtl="0" algn="l">
@@ -12427,7 +12473,12 @@
               <a:buNone/>
             </a:pPr>
             <a:r>
-              <a:rPr b="1" lang="es-ES" sz="1300"/>
+              <a:rPr b="1" lang="es-ES" sz="1300">
+                <a:latin typeface="Quattrocento Sans"/>
+                <a:ea typeface="Quattrocento Sans"/>
+                <a:cs typeface="Quattrocento Sans"/>
+                <a:sym typeface="Quattrocento Sans"/>
+              </a:rPr>
               <a:t>Regla de Taylor y su Aplicación en Colombia</a:t>
             </a:r>
             <a:endParaRPr b="1" sz="1300"/>
@@ -12450,57 +12501,95 @@
               <a:buChar char="●"/>
             </a:pPr>
             <a:r>
-              <a:rPr b="1" lang="es-ES" sz="1100"/>
+              <a:rPr b="1" lang="es-ES" sz="1300">
+                <a:latin typeface="Quattrocento Sans"/>
+                <a:ea typeface="Quattrocento Sans"/>
+                <a:cs typeface="Quattrocento Sans"/>
+                <a:sym typeface="Quattrocento Sans"/>
+              </a:rPr>
               <a:t>Aguirre, Luis &amp; García, Mario (2015)</a:t>
             </a:r>
             <a:r>
               <a:rPr lang="es-ES" sz="1100"/>
-              <a:t>: Estos autores </a:t>
-            </a:r>
-            <a:r>
-              <a:rPr lang="es-ES" sz="1100"/>
+              <a:t>:</a:t>
+            </a:r>
+            <a:r>
+              <a:rPr lang="es-ES" sz="1200">
+                <a:latin typeface="Quattrocento Sans"/>
+                <a:ea typeface="Quattrocento Sans"/>
+                <a:cs typeface="Quattrocento Sans"/>
+                <a:sym typeface="Quattrocento Sans"/>
+              </a:rPr>
+              <a:t> Estos autores </a:t>
+            </a:r>
+            <a:r>
+              <a:rPr lang="es-ES" sz="1200">
+                <a:latin typeface="Quattrocento Sans"/>
+                <a:ea typeface="Quattrocento Sans"/>
+                <a:cs typeface="Quattrocento Sans"/>
+                <a:sym typeface="Quattrocento Sans"/>
+              </a:rPr>
               <a:t>adoptan</a:t>
             </a:r>
             <a:r>
-              <a:rPr lang="es-ES" sz="1100"/>
+              <a:rPr lang="es-ES" sz="1200">
+                <a:latin typeface="Quattrocento Sans"/>
+                <a:ea typeface="Quattrocento Sans"/>
+                <a:cs typeface="Quattrocento Sans"/>
+                <a:sym typeface="Quattrocento Sans"/>
+              </a:rPr>
               <a:t> la </a:t>
             </a:r>
             <a:r>
-              <a:rPr b="1" lang="es-ES" sz="1100"/>
+              <a:rPr b="1" lang="es-ES" sz="1200">
+                <a:latin typeface="Quattrocento Sans"/>
+                <a:ea typeface="Quattrocento Sans"/>
+                <a:cs typeface="Quattrocento Sans"/>
+                <a:sym typeface="Quattrocento Sans"/>
+              </a:rPr>
               <a:t>Regla de Taylor</a:t>
             </a:r>
             <a:r>
-              <a:rPr lang="es-ES" sz="1100"/>
-              <a:t> a la economía colombiana para modelar cómo el Banco de la República ajusta la tasa de política monetaria en respuesta a cambios en la inflación y el producto. La </a:t>
-            </a:r>
-            <a:r>
-              <a:rPr b="1" lang="es-ES" sz="1100"/>
-              <a:t>Regla de Taylor</a:t>
-            </a:r>
-            <a:r>
-              <a:rPr lang="es-ES" sz="1100"/>
-              <a:t> es un modelo ampliamente utilizado que describe cómo los bancos centrales ajustan las tasas de interés para estabilizar la economía. En Colombia, este tipo de modelos se utiliza para evaluar la respuesta de la tasa de política monetaria ante los cambios en variables clave como la inflación y el crecimiento económico.</a:t>
+              <a:rPr lang="es-ES" sz="1200">
+                <a:latin typeface="Quattrocento Sans"/>
+                <a:ea typeface="Quattrocento Sans"/>
+                <a:cs typeface="Quattrocento Sans"/>
+                <a:sym typeface="Quattrocento Sans"/>
+              </a:rPr>
+              <a:t> a la economía colombiana para modelar cómo el Banco de la República ajusta la tasa de política monetaria en respuesta a cambios en la inflación y el producto. La Regla de Taylor es un modelo ampliamente utilizado que describe cómo los bancos centrales ajustan las tasas de interés para estabilizar la economía. En Colombia, este tipo de modelos se utiliza para evaluar la respuesta de la tasa de política monetaria ante los cambios en variables clave como la inflación y el crecimiento económico.</a:t>
             </a:r>
             <a:br>
-              <a:rPr lang="es-ES" sz="1100"/>
+              <a:rPr lang="es-ES" sz="1200">
+                <a:latin typeface="Quattrocento Sans"/>
+                <a:ea typeface="Quattrocento Sans"/>
+                <a:cs typeface="Quattrocento Sans"/>
+                <a:sym typeface="Quattrocento Sans"/>
+              </a:rPr>
             </a:br>
             <a:r>
-              <a:rPr b="1" lang="es-ES" sz="1100"/>
-              <a:t>Fuente</a:t>
-            </a:r>
-            <a:r>
-              <a:rPr lang="es-ES" sz="1100"/>
-              <a:t>: Aguirre, L., &amp; García, M. (2015). </a:t>
-            </a:r>
-            <a:r>
-              <a:rPr i="1" lang="es-ES" sz="1100"/>
-              <a:t>La regla de Taylor en la política monetaria de Colombia</a:t>
-            </a:r>
-            <a:r>
-              <a:rPr lang="es-ES" sz="1100"/>
-              <a:t>. Revista de Economía, Universidad del Rosario.</a:t>
-            </a:r>
-            <a:endParaRPr sz="1100"/>
+              <a:rPr b="1" lang="es-ES" sz="1300">
+                <a:latin typeface="Quattrocento Sans"/>
+                <a:ea typeface="Quattrocento Sans"/>
+                <a:cs typeface="Quattrocento Sans"/>
+                <a:sym typeface="Quattrocento Sans"/>
+              </a:rPr>
+              <a:t>Fuente:</a:t>
+            </a:r>
+            <a:r>
+              <a:rPr lang="es-ES" sz="1200">
+                <a:latin typeface="Quattrocento Sans"/>
+                <a:ea typeface="Quattrocento Sans"/>
+                <a:cs typeface="Quattrocento Sans"/>
+                <a:sym typeface="Quattrocento Sans"/>
+              </a:rPr>
+              <a:t> Aguirre, L., &amp; García, M. (2015). La regla de Taylor en la política monetaria de Colombia. Revista de Economía, Universidad del Rosario.</a:t>
+            </a:r>
+            <a:endParaRPr sz="1200">
+              <a:latin typeface="Quattrocento Sans"/>
+              <a:ea typeface="Quattrocento Sans"/>
+              <a:cs typeface="Quattrocento Sans"/>
+              <a:sym typeface="Quattrocento Sans"/>
+            </a:endParaRPr>
           </a:p>
           <a:p>
             <a:pPr indent="0" lvl="0" marL="0" marR="5080" rtl="0" algn="just">
@@ -12584,8 +12673,8 @@
         </p:nvSpPr>
         <p:spPr>
           <a:xfrm>
-            <a:off x="776218" y="533400"/>
-            <a:ext cx="4573200" cy="552300"/>
+            <a:off x="379354" y="531925"/>
+            <a:ext cx="5011200" cy="552300"/>
           </a:xfrm>
           <a:prstGeom prst="rect">
             <a:avLst/>
@@ -13135,6 +13224,55 @@
       <p:sp>
         <p:nvSpPr>
           <p:cNvPr id="94" name="Google Shape;94;p7"/>
+          <p:cNvSpPr/>
+          <p:nvPr/>
+        </p:nvSpPr>
+        <p:spPr>
+          <a:xfrm>
+            <a:off x="169325" y="5335775"/>
+            <a:ext cx="5274000" cy="1234500"/>
+          </a:xfrm>
+          <a:prstGeom prst="rect">
+            <a:avLst/>
+          </a:prstGeom>
+          <a:solidFill>
+            <a:schemeClr val="lt1"/>
+          </a:solidFill>
+          <a:ln cap="flat" cmpd="sng" w="9525">
+            <a:solidFill>
+              <a:schemeClr val="lt1"/>
+            </a:solidFill>
+            <a:prstDash val="solid"/>
+            <a:round/>
+            <a:headEnd len="sm" w="sm" type="none"/>
+            <a:tailEnd len="sm" w="sm" type="none"/>
+          </a:ln>
+        </p:spPr>
+        <p:txBody>
+          <a:bodyPr anchorCtr="0" anchor="ctr" bIns="91425" lIns="91425" spcFirstLastPara="1" rIns="91425" wrap="square" tIns="91425">
+            <a:noAutofit/>
+          </a:bodyPr>
+          <a:lstStyle/>
+          <a:p>
+            <a:pPr indent="0" lvl="0" marL="0" rtl="0" algn="ctr">
+              <a:spcBef>
+                <a:spcPts val="0"/>
+              </a:spcBef>
+              <a:spcAft>
+                <a:spcPts val="0"/>
+              </a:spcAft>
+              <a:buNone/>
+            </a:pPr>
+            <a:r>
+              <a:t/>
+            </a:r>
+            <a:endParaRPr/>
+          </a:p>
+        </p:txBody>
+      </p:sp>
+      <p:sp>
+        <p:nvSpPr>
+          <p:cNvPr id="95" name="Google Shape;95;p7"/>
           <p:cNvSpPr txBox="1"/>
           <p:nvPr>
             <p:ph type="title"/>
@@ -13142,8 +13280,8 @@
         </p:nvSpPr>
         <p:spPr>
           <a:xfrm>
-            <a:off x="381000" y="457200"/>
-            <a:ext cx="3886200" cy="667797"/>
+            <a:off x="169325" y="369000"/>
+            <a:ext cx="3886200" cy="667800"/>
           </a:xfrm>
           <a:prstGeom prst="rect">
             <a:avLst/>
@@ -13197,7 +13335,7 @@
       </p:sp>
       <p:pic>
         <p:nvPicPr>
-          <p:cNvPr id="95" name="Google Shape;95;p7"/>
+          <p:cNvPr id="96" name="Google Shape;96;p7"/>
           <p:cNvPicPr preferRelativeResize="0"/>
           <p:nvPr/>
         </p:nvPicPr>
@@ -13210,8 +13348,8 @@
         </p:blipFill>
         <p:spPr>
           <a:xfrm>
-            <a:off x="1447800" y="1237785"/>
-            <a:ext cx="6878010" cy="790685"/>
+            <a:off x="266350" y="5738500"/>
+            <a:ext cx="4652850" cy="534900"/>
           </a:xfrm>
           <a:prstGeom prst="rect">
             <a:avLst/>
@@ -13224,7 +13362,7 @@
       </p:pic>
       <p:pic>
         <p:nvPicPr>
-          <p:cNvPr id="96" name="Google Shape;96;p7"/>
+          <p:cNvPr id="97" name="Google Shape;97;p7"/>
           <p:cNvPicPr preferRelativeResize="0"/>
           <p:nvPr/>
         </p:nvPicPr>
@@ -13237,7 +13375,7 @@
         </p:blipFill>
         <p:spPr>
           <a:xfrm>
-            <a:off x="1676400" y="2141259"/>
+            <a:off x="266350" y="1036809"/>
             <a:ext cx="6200775" cy="3124200"/>
           </a:xfrm>
           <a:prstGeom prst="rect">
@@ -13249,6 +13387,56 @@
           </a:ln>
         </p:spPr>
       </p:pic>
+      <p:sp>
+        <p:nvSpPr>
+          <p:cNvPr id="98" name="Google Shape;98;p7"/>
+          <p:cNvSpPr txBox="1"/>
+          <p:nvPr/>
+        </p:nvSpPr>
+        <p:spPr>
+          <a:xfrm>
+            <a:off x="328075" y="4402038"/>
+            <a:ext cx="8156100" cy="1169700"/>
+          </a:xfrm>
+          <a:prstGeom prst="rect">
+            <a:avLst/>
+          </a:prstGeom>
+          <a:noFill/>
+          <a:ln>
+            <a:noFill/>
+          </a:ln>
+        </p:spPr>
+        <p:txBody>
+          <a:bodyPr anchorCtr="0" anchor="t" bIns="91425" lIns="91425" spcFirstLastPara="1" rIns="91425" wrap="square" tIns="91425">
+            <a:spAutoFit/>
+          </a:bodyPr>
+          <a:lstStyle/>
+          <a:p>
+            <a:pPr indent="0" lvl="0" marL="0" rtl="0" algn="l">
+              <a:spcBef>
+                <a:spcPts val="0"/>
+              </a:spcBef>
+              <a:spcAft>
+                <a:spcPts val="0"/>
+              </a:spcAft>
+              <a:buNone/>
+            </a:pPr>
+            <a:r>
+              <a:rPr lang="es-ES" sz="1600">
+                <a:solidFill>
+                  <a:schemeClr val="dk1"/>
+                </a:solidFill>
+                <a:latin typeface="Quattrocento Sans"/>
+                <a:ea typeface="Quattrocento Sans"/>
+                <a:cs typeface="Quattrocento Sans"/>
+                <a:sym typeface="Quattrocento Sans"/>
+              </a:rPr>
+              <a:t>El gráfico indica que las tres variables interactúan entre sí de manera compleja, con la tasa de interés actuando como un mecanismo de control para el desempleo y la inflación. Las políticas monetarias se utilizan para regular la economía ajustando las tasas de interés en respuesta a los cambios en el desempleo e inflación.</a:t>
+            </a:r>
+            <a:endParaRPr sz="100"/>
+          </a:p>
+        </p:txBody>
+      </p:sp>
     </p:spTree>
   </p:cSld>
   <p:clrMapOvr>
@@ -13262,7 +13450,7 @@
   <p:cSld>
     <p:spTree>
       <p:nvGrpSpPr>
-        <p:cNvPr id="101" name="Shape 101"/>
+        <p:cNvPr id="103" name="Shape 103"/>
         <p:cNvGrpSpPr/>
         <p:nvPr/>
       </p:nvGrpSpPr>
@@ -13276,7 +13464,7 @@
       </p:grpSpPr>
       <p:sp>
         <p:nvSpPr>
-          <p:cNvPr id="102" name="Google Shape;102;p8"/>
+          <p:cNvPr id="104" name="Google Shape;104;p8"/>
           <p:cNvSpPr txBox="1"/>
           <p:nvPr>
             <p:ph type="title"/>
@@ -13363,7 +13551,7 @@
       </p:sp>
       <p:pic>
         <p:nvPicPr>
-          <p:cNvPr id="103" name="Google Shape;103;p8"/>
+          <p:cNvPr id="105" name="Google Shape;105;p8"/>
           <p:cNvPicPr preferRelativeResize="0"/>
           <p:nvPr/>
         </p:nvPicPr>
@@ -13390,7 +13578,7 @@
       </p:pic>
       <p:pic>
         <p:nvPicPr>
-          <p:cNvPr id="104" name="Google Shape;104;p8"/>
+          <p:cNvPr id="106" name="Google Shape;106;p8"/>
           <p:cNvPicPr preferRelativeResize="0"/>
           <p:nvPr/>
         </p:nvPicPr>
@@ -13423,7 +13611,7 @@
       </p:pic>
       <p:pic>
         <p:nvPicPr>
-          <p:cNvPr id="105" name="Google Shape;105;p8"/>
+          <p:cNvPr id="107" name="Google Shape;107;p8"/>
           <p:cNvPicPr preferRelativeResize="0"/>
           <p:nvPr/>
         </p:nvPicPr>
@@ -13450,7 +13638,7 @@
       </p:pic>
       <p:pic>
         <p:nvPicPr>
-          <p:cNvPr id="106" name="Google Shape;106;p8"/>
+          <p:cNvPr id="108" name="Google Shape;108;p8"/>
           <p:cNvPicPr preferRelativeResize="0"/>
           <p:nvPr/>
         </p:nvPicPr>
@@ -13477,7 +13665,7 @@
       </p:pic>
       <p:sp>
         <p:nvSpPr>
-          <p:cNvPr id="107" name="Google Shape;107;p8"/>
+          <p:cNvPr id="109" name="Google Shape;109;p8"/>
           <p:cNvSpPr txBox="1"/>
           <p:nvPr/>
         </p:nvSpPr>
